--- a/專題報告.pptx
+++ b/專題報告.pptx
@@ -5,7 +5,7 @@
     <p:sldMasterId id="2147483737" r:id="rId1"/>
   </p:sldMasterIdLst>
   <p:notesMasterIdLst>
-    <p:notesMasterId r:id="rId12"/>
+    <p:notesMasterId r:id="rId14"/>
   </p:notesMasterIdLst>
   <p:sldIdLst>
     <p:sldId id="256" r:id="rId2"/>
@@ -14,42 +14,44 @@
     <p:sldId id="257" r:id="rId5"/>
     <p:sldId id="347" r:id="rId6"/>
     <p:sldId id="345" r:id="rId7"/>
-    <p:sldId id="348" r:id="rId8"/>
-    <p:sldId id="344" r:id="rId9"/>
-    <p:sldId id="349" r:id="rId10"/>
-    <p:sldId id="279" r:id="rId11"/>
+    <p:sldId id="351" r:id="rId8"/>
+    <p:sldId id="350" r:id="rId9"/>
+    <p:sldId id="348" r:id="rId10"/>
+    <p:sldId id="344" r:id="rId11"/>
+    <p:sldId id="349" r:id="rId12"/>
+    <p:sldId id="279" r:id="rId13"/>
   </p:sldIdLst>
   <p:sldSz cx="9144000" cy="5143500" type="screen16x9"/>
   <p:notesSz cx="6858000" cy="9144000"/>
   <p:embeddedFontLst>
     <p:embeddedFont>
       <p:font typeface="Fira Sans Extra Condensed Medium" panose="02020500000000000000" charset="0"/>
-      <p:regular r:id="rId13"/>
-      <p:bold r:id="rId14"/>
-      <p:italic r:id="rId15"/>
-      <p:boldItalic r:id="rId16"/>
+      <p:regular r:id="rId15"/>
+      <p:bold r:id="rId16"/>
+      <p:italic r:id="rId17"/>
+      <p:boldItalic r:id="rId18"/>
     </p:embeddedFont>
     <p:embeddedFont>
       <p:font typeface="Livvic" pitchFamily="2" charset="0"/>
-      <p:regular r:id="rId17"/>
-      <p:bold r:id="rId18"/>
-      <p:italic r:id="rId19"/>
-      <p:boldItalic r:id="rId20"/>
+      <p:regular r:id="rId19"/>
+      <p:bold r:id="rId20"/>
+      <p:italic r:id="rId21"/>
+      <p:boldItalic r:id="rId22"/>
     </p:embeddedFont>
     <p:embeddedFont>
       <p:font typeface="Roboto Condensed Light" panose="02000000000000000000" pitchFamily="2" charset="0"/>
-      <p:regular r:id="rId21"/>
-      <p:bold r:id="rId22"/>
-      <p:italic r:id="rId23"/>
-      <p:boldItalic r:id="rId24"/>
+      <p:regular r:id="rId23"/>
+      <p:bold r:id="rId24"/>
+      <p:italic r:id="rId25"/>
+      <p:boldItalic r:id="rId26"/>
     </p:embeddedFont>
     <p:embeddedFont>
       <p:font typeface="Squada One" panose="02020500000000000000" charset="0"/>
-      <p:regular r:id="rId25"/>
+      <p:regular r:id="rId27"/>
     </p:embeddedFont>
     <p:embeddedFont>
       <p:font typeface="標楷體" panose="03000509000000000000" pitchFamily="65" charset="-120"/>
-      <p:regular r:id="rId26"/>
+      <p:regular r:id="rId28"/>
     </p:embeddedFont>
   </p:embeddedFontLst>
   <p:defaultTextStyle>
@@ -9914,6 +9916,1052 @@
   <p:cSld>
     <p:spTree>
       <p:nvGrpSpPr>
+        <p:cNvPr id="1" name=""/>
+        <p:cNvGrpSpPr/>
+        <p:nvPr/>
+      </p:nvGrpSpPr>
+      <p:grpSpPr>
+        <a:xfrm>
+          <a:off x="0" y="0"/>
+          <a:ext cx="0" cy="0"/>
+          <a:chOff x="0" y="0"/>
+          <a:chExt cx="0" cy="0"/>
+        </a:xfrm>
+      </p:grpSpPr>
+      <p:sp>
+        <p:nvSpPr>
+          <p:cNvPr id="5" name="矩形: 圓角 4">
+            <a:extLst>
+              <a:ext uri="{FF2B5EF4-FFF2-40B4-BE49-F238E27FC236}">
+                <a16:creationId xmlns:a16="http://schemas.microsoft.com/office/drawing/2014/main" id="{62B0B12C-7EAF-4F18-8196-936A598F2619}"/>
+              </a:ext>
+            </a:extLst>
+          </p:cNvPr>
+          <p:cNvSpPr/>
+          <p:nvPr/>
+        </p:nvSpPr>
+        <p:spPr>
+          <a:xfrm>
+            <a:off x="1448021" y="685156"/>
+            <a:ext cx="5078895" cy="407504"/>
+          </a:xfrm>
+          <a:prstGeom prst="roundRect">
+            <a:avLst/>
+          </a:prstGeom>
+          <a:ln/>
+        </p:spPr>
+        <p:style>
+          <a:lnRef idx="3">
+            <a:schemeClr val="lt1"/>
+          </a:lnRef>
+          <a:fillRef idx="1">
+            <a:schemeClr val="accent5"/>
+          </a:fillRef>
+          <a:effectRef idx="1">
+            <a:schemeClr val="accent5"/>
+          </a:effectRef>
+          <a:fontRef idx="minor">
+            <a:schemeClr val="lt1"/>
+          </a:fontRef>
+        </p:style>
+        <p:txBody>
+          <a:bodyPr rtlCol="0" anchor="ctr"/>
+          <a:lstStyle/>
+          <a:p>
+            <a:pPr algn="ctr"/>
+            <a:r>
+              <a:rPr lang="zh-TW" altLang="en-US" sz="1600" dirty="0">
+                <a:solidFill>
+                  <a:schemeClr val="bg1"/>
+                </a:solidFill>
+                <a:latin typeface="標楷體" panose="03000509000000000000" pitchFamily="65" charset="-120"/>
+                <a:ea typeface="標楷體" panose="03000509000000000000" pitchFamily="65" charset="-120"/>
+                <a:cs typeface="Arial"/>
+              </a:rPr>
+              <a:t>一般企業都泛用</a:t>
+            </a:r>
+          </a:p>
+        </p:txBody>
+      </p:sp>
+      <p:grpSp>
+        <p:nvGrpSpPr>
+          <p:cNvPr id="13" name="群組 12">
+            <a:extLst>
+              <a:ext uri="{FF2B5EF4-FFF2-40B4-BE49-F238E27FC236}">
+                <a16:creationId xmlns:a16="http://schemas.microsoft.com/office/drawing/2014/main" id="{FB63AB3D-2219-4795-8AE8-92D3981206E4}"/>
+              </a:ext>
+            </a:extLst>
+          </p:cNvPr>
+          <p:cNvGrpSpPr/>
+          <p:nvPr/>
+        </p:nvGrpSpPr>
+        <p:grpSpPr>
+          <a:xfrm>
+            <a:off x="1043609" y="1619162"/>
+            <a:ext cx="337930" cy="1905176"/>
+            <a:chOff x="1043609" y="1619162"/>
+            <a:chExt cx="337930" cy="1905176"/>
+          </a:xfrm>
+        </p:grpSpPr>
+        <p:sp>
+          <p:nvSpPr>
+            <p:cNvPr id="6" name="流程圖: 接點 5">
+              <a:extLst>
+                <a:ext uri="{FF2B5EF4-FFF2-40B4-BE49-F238E27FC236}">
+                  <a16:creationId xmlns:a16="http://schemas.microsoft.com/office/drawing/2014/main" id="{7014B74A-8316-46CB-BFA4-46609501B440}"/>
+                </a:ext>
+              </a:extLst>
+            </p:cNvPr>
+            <p:cNvSpPr/>
+            <p:nvPr/>
+          </p:nvSpPr>
+          <p:spPr>
+            <a:xfrm>
+              <a:off x="1063487" y="1619162"/>
+              <a:ext cx="318052" cy="303144"/>
+            </a:xfrm>
+            <a:prstGeom prst="flowChartConnector">
+              <a:avLst/>
+            </a:prstGeom>
+            <a:ln/>
+          </p:spPr>
+          <p:style>
+            <a:lnRef idx="3">
+              <a:schemeClr val="lt1"/>
+            </a:lnRef>
+            <a:fillRef idx="1">
+              <a:schemeClr val="accent5"/>
+            </a:fillRef>
+            <a:effectRef idx="1">
+              <a:schemeClr val="accent5"/>
+            </a:effectRef>
+            <a:fontRef idx="minor">
+              <a:schemeClr val="lt1"/>
+            </a:fontRef>
+          </p:style>
+          <p:txBody>
+            <a:bodyPr rtlCol="0" anchor="ctr"/>
+            <a:lstStyle/>
+            <a:p>
+              <a:pPr algn="ctr"/>
+              <a:r>
+                <a:rPr lang="en-US" altLang="zh-TW" dirty="0"/>
+                <a:t>1</a:t>
+              </a:r>
+              <a:endParaRPr lang="zh-TW" altLang="en-US" dirty="0"/>
+            </a:p>
+          </p:txBody>
+        </p:sp>
+        <p:sp>
+          <p:nvSpPr>
+            <p:cNvPr id="7" name="流程圖: 接點 6">
+              <a:extLst>
+                <a:ext uri="{FF2B5EF4-FFF2-40B4-BE49-F238E27FC236}">
+                  <a16:creationId xmlns:a16="http://schemas.microsoft.com/office/drawing/2014/main" id="{0CA4D686-402D-4335-8DD8-C0B003930A8A}"/>
+                </a:ext>
+              </a:extLst>
+            </p:cNvPr>
+            <p:cNvSpPr/>
+            <p:nvPr/>
+          </p:nvSpPr>
+          <p:spPr>
+            <a:xfrm>
+              <a:off x="1043609" y="2420178"/>
+              <a:ext cx="318052" cy="303144"/>
+            </a:xfrm>
+            <a:prstGeom prst="flowChartConnector">
+              <a:avLst/>
+            </a:prstGeom>
+            <a:ln/>
+          </p:spPr>
+          <p:style>
+            <a:lnRef idx="3">
+              <a:schemeClr val="lt1"/>
+            </a:lnRef>
+            <a:fillRef idx="1">
+              <a:schemeClr val="accent5"/>
+            </a:fillRef>
+            <a:effectRef idx="1">
+              <a:schemeClr val="accent5"/>
+            </a:effectRef>
+            <a:fontRef idx="minor">
+              <a:schemeClr val="lt1"/>
+            </a:fontRef>
+          </p:style>
+          <p:txBody>
+            <a:bodyPr rtlCol="0" anchor="ctr"/>
+            <a:lstStyle/>
+            <a:p>
+              <a:pPr algn="ctr"/>
+              <a:r>
+                <a:rPr lang="en-US" altLang="zh-TW" dirty="0"/>
+                <a:t>2</a:t>
+              </a:r>
+              <a:endParaRPr lang="zh-TW" altLang="en-US" dirty="0"/>
+            </a:p>
+          </p:txBody>
+        </p:sp>
+        <p:sp>
+          <p:nvSpPr>
+            <p:cNvPr id="8" name="流程圖: 接點 7">
+              <a:extLst>
+                <a:ext uri="{FF2B5EF4-FFF2-40B4-BE49-F238E27FC236}">
+                  <a16:creationId xmlns:a16="http://schemas.microsoft.com/office/drawing/2014/main" id="{3482BF39-D421-4FC2-9DC9-4C167F36E41E}"/>
+                </a:ext>
+              </a:extLst>
+            </p:cNvPr>
+            <p:cNvSpPr/>
+            <p:nvPr/>
+          </p:nvSpPr>
+          <p:spPr>
+            <a:xfrm>
+              <a:off x="1043609" y="3221194"/>
+              <a:ext cx="318052" cy="303144"/>
+            </a:xfrm>
+            <a:prstGeom prst="flowChartConnector">
+              <a:avLst/>
+            </a:prstGeom>
+            <a:ln/>
+          </p:spPr>
+          <p:style>
+            <a:lnRef idx="3">
+              <a:schemeClr val="lt1"/>
+            </a:lnRef>
+            <a:fillRef idx="1">
+              <a:schemeClr val="accent5"/>
+            </a:fillRef>
+            <a:effectRef idx="1">
+              <a:schemeClr val="accent5"/>
+            </a:effectRef>
+            <a:fontRef idx="minor">
+              <a:schemeClr val="lt1"/>
+            </a:fontRef>
+          </p:style>
+          <p:txBody>
+            <a:bodyPr rtlCol="0" anchor="ctr"/>
+            <a:lstStyle/>
+            <a:p>
+              <a:pPr algn="ctr"/>
+              <a:r>
+                <a:rPr lang="en-US" altLang="zh-TW" dirty="0"/>
+                <a:t>3</a:t>
+              </a:r>
+              <a:endParaRPr lang="zh-TW" altLang="en-US" dirty="0"/>
+            </a:p>
+          </p:txBody>
+        </p:sp>
+      </p:grpSp>
+      <p:grpSp>
+        <p:nvGrpSpPr>
+          <p:cNvPr id="14" name="群組 13">
+            <a:extLst>
+              <a:ext uri="{FF2B5EF4-FFF2-40B4-BE49-F238E27FC236}">
+                <a16:creationId xmlns:a16="http://schemas.microsoft.com/office/drawing/2014/main" id="{B8429B1C-0B64-4B1E-A0B9-A933FFFE8273}"/>
+              </a:ext>
+            </a:extLst>
+          </p:cNvPr>
+          <p:cNvGrpSpPr/>
+          <p:nvPr/>
+        </p:nvGrpSpPr>
+        <p:grpSpPr>
+          <a:xfrm>
+            <a:off x="4767408" y="1580984"/>
+            <a:ext cx="318052" cy="1907661"/>
+            <a:chOff x="1922394" y="1616677"/>
+            <a:chExt cx="318052" cy="1907661"/>
+          </a:xfrm>
+        </p:grpSpPr>
+        <p:sp>
+          <p:nvSpPr>
+            <p:cNvPr id="9" name="流程圖: 接點 8">
+              <a:extLst>
+                <a:ext uri="{FF2B5EF4-FFF2-40B4-BE49-F238E27FC236}">
+                  <a16:creationId xmlns:a16="http://schemas.microsoft.com/office/drawing/2014/main" id="{EF2E5286-9871-4E4C-9B4F-C89023F8F574}"/>
+                </a:ext>
+              </a:extLst>
+            </p:cNvPr>
+            <p:cNvSpPr/>
+            <p:nvPr/>
+          </p:nvSpPr>
+          <p:spPr>
+            <a:xfrm>
+              <a:off x="1922394" y="1616677"/>
+              <a:ext cx="318052" cy="303144"/>
+            </a:xfrm>
+            <a:prstGeom prst="flowChartConnector">
+              <a:avLst/>
+            </a:prstGeom>
+            <a:ln/>
+          </p:spPr>
+          <p:style>
+            <a:lnRef idx="3">
+              <a:schemeClr val="lt1"/>
+            </a:lnRef>
+            <a:fillRef idx="1">
+              <a:schemeClr val="accent5"/>
+            </a:fillRef>
+            <a:effectRef idx="1">
+              <a:schemeClr val="accent5"/>
+            </a:effectRef>
+            <a:fontRef idx="minor">
+              <a:schemeClr val="lt1"/>
+            </a:fontRef>
+          </p:style>
+          <p:txBody>
+            <a:bodyPr rtlCol="0" anchor="ctr"/>
+            <a:lstStyle/>
+            <a:p>
+              <a:pPr algn="ctr"/>
+              <a:r>
+                <a:rPr lang="en-US" altLang="zh-TW" dirty="0"/>
+                <a:t>4</a:t>
+              </a:r>
+              <a:endParaRPr lang="zh-TW" altLang="en-US" dirty="0"/>
+            </a:p>
+          </p:txBody>
+        </p:sp>
+        <p:sp>
+          <p:nvSpPr>
+            <p:cNvPr id="10" name="流程圖: 接點 9">
+              <a:extLst>
+                <a:ext uri="{FF2B5EF4-FFF2-40B4-BE49-F238E27FC236}">
+                  <a16:creationId xmlns:a16="http://schemas.microsoft.com/office/drawing/2014/main" id="{CF163878-7891-4C24-99FC-5AE30825A848}"/>
+                </a:ext>
+              </a:extLst>
+            </p:cNvPr>
+            <p:cNvSpPr/>
+            <p:nvPr/>
+          </p:nvSpPr>
+          <p:spPr>
+            <a:xfrm>
+              <a:off x="1922394" y="2420178"/>
+              <a:ext cx="318052" cy="303144"/>
+            </a:xfrm>
+            <a:prstGeom prst="flowChartConnector">
+              <a:avLst/>
+            </a:prstGeom>
+            <a:ln/>
+          </p:spPr>
+          <p:style>
+            <a:lnRef idx="3">
+              <a:schemeClr val="lt1"/>
+            </a:lnRef>
+            <a:fillRef idx="1">
+              <a:schemeClr val="accent5"/>
+            </a:fillRef>
+            <a:effectRef idx="1">
+              <a:schemeClr val="accent5"/>
+            </a:effectRef>
+            <a:fontRef idx="minor">
+              <a:schemeClr val="lt1"/>
+            </a:fontRef>
+          </p:style>
+          <p:txBody>
+            <a:bodyPr rtlCol="0" anchor="ctr"/>
+            <a:lstStyle/>
+            <a:p>
+              <a:pPr algn="ctr"/>
+              <a:r>
+                <a:rPr lang="en-US" altLang="zh-TW" dirty="0"/>
+                <a:t>5</a:t>
+              </a:r>
+              <a:endParaRPr lang="zh-TW" altLang="en-US" dirty="0"/>
+            </a:p>
+          </p:txBody>
+        </p:sp>
+        <p:sp>
+          <p:nvSpPr>
+            <p:cNvPr id="11" name="流程圖: 接點 10">
+              <a:extLst>
+                <a:ext uri="{FF2B5EF4-FFF2-40B4-BE49-F238E27FC236}">
+                  <a16:creationId xmlns:a16="http://schemas.microsoft.com/office/drawing/2014/main" id="{4F8D1372-271F-4730-B79C-CB2731943C1F}"/>
+                </a:ext>
+              </a:extLst>
+            </p:cNvPr>
+            <p:cNvSpPr/>
+            <p:nvPr/>
+          </p:nvSpPr>
+          <p:spPr>
+            <a:xfrm>
+              <a:off x="1922394" y="3221194"/>
+              <a:ext cx="318052" cy="303144"/>
+            </a:xfrm>
+            <a:prstGeom prst="flowChartConnector">
+              <a:avLst/>
+            </a:prstGeom>
+            <a:ln/>
+          </p:spPr>
+          <p:style>
+            <a:lnRef idx="3">
+              <a:schemeClr val="lt1"/>
+            </a:lnRef>
+            <a:fillRef idx="1">
+              <a:schemeClr val="accent5"/>
+            </a:fillRef>
+            <a:effectRef idx="1">
+              <a:schemeClr val="accent5"/>
+            </a:effectRef>
+            <a:fontRef idx="minor">
+              <a:schemeClr val="lt1"/>
+            </a:fontRef>
+          </p:style>
+          <p:txBody>
+            <a:bodyPr rtlCol="0" anchor="ctr"/>
+            <a:lstStyle/>
+            <a:p>
+              <a:pPr algn="ctr"/>
+              <a:r>
+                <a:rPr lang="en-US" altLang="zh-TW" dirty="0"/>
+                <a:t>6</a:t>
+              </a:r>
+              <a:endParaRPr lang="zh-TW" altLang="en-US" dirty="0"/>
+            </a:p>
+          </p:txBody>
+        </p:sp>
+      </p:grpSp>
+      <p:sp>
+        <p:nvSpPr>
+          <p:cNvPr id="15" name="文字方塊 14">
+            <a:extLst>
+              <a:ext uri="{FF2B5EF4-FFF2-40B4-BE49-F238E27FC236}">
+                <a16:creationId xmlns:a16="http://schemas.microsoft.com/office/drawing/2014/main" id="{8F016B84-9D79-4871-A3AA-EE24432B9492}"/>
+              </a:ext>
+            </a:extLst>
+          </p:cNvPr>
+          <p:cNvSpPr txBox="1"/>
+          <p:nvPr/>
+        </p:nvSpPr>
+        <p:spPr>
+          <a:xfrm>
+            <a:off x="1381539" y="1626225"/>
+            <a:ext cx="3553239" cy="276999"/>
+          </a:xfrm>
+          <a:prstGeom prst="rect">
+            <a:avLst/>
+          </a:prstGeom>
+          <a:noFill/>
+        </p:spPr>
+        <p:txBody>
+          <a:bodyPr wrap="square" rtlCol="0">
+            <a:spAutoFit/>
+          </a:bodyPr>
+          <a:lstStyle/>
+          <a:p>
+            <a:r>
+              <a:rPr lang="zh-TW" altLang="en-US" sz="1200" dirty="0">
+                <a:solidFill>
+                  <a:schemeClr val="bg1"/>
+                </a:solidFill>
+                <a:latin typeface="標楷體" panose="03000509000000000000" pitchFamily="65" charset="-120"/>
+                <a:ea typeface="標楷體" panose="03000509000000000000" pitchFamily="65" charset="-120"/>
+              </a:rPr>
+              <a:t>零售業</a:t>
+            </a:r>
+            <a:r>
+              <a:rPr lang="en-US" altLang="zh-TW" sz="1200" dirty="0">
+                <a:solidFill>
+                  <a:schemeClr val="bg1"/>
+                </a:solidFill>
+                <a:latin typeface="標楷體" panose="03000509000000000000" pitchFamily="65" charset="-120"/>
+                <a:ea typeface="標楷體" panose="03000509000000000000" pitchFamily="65" charset="-120"/>
+              </a:rPr>
+              <a:t>:</a:t>
+            </a:r>
+            <a:r>
+              <a:rPr lang="zh-TW" altLang="en-US" sz="1200" dirty="0">
+                <a:solidFill>
+                  <a:schemeClr val="bg1"/>
+                </a:solidFill>
+                <a:latin typeface="標楷體" panose="03000509000000000000" pitchFamily="65" charset="-120"/>
+                <a:ea typeface="標楷體" panose="03000509000000000000" pitchFamily="65" charset="-120"/>
+              </a:rPr>
+              <a:t>管理日常商品庫存，確保商品充足。</a:t>
+            </a:r>
+            <a:endParaRPr lang="en-US" altLang="zh-TW" sz="1200" dirty="0">
+              <a:solidFill>
+                <a:schemeClr val="bg1"/>
+              </a:solidFill>
+              <a:latin typeface="標楷體" panose="03000509000000000000" pitchFamily="65" charset="-120"/>
+              <a:ea typeface="標楷體" panose="03000509000000000000" pitchFamily="65" charset="-120"/>
+            </a:endParaRPr>
+          </a:p>
+        </p:txBody>
+      </p:sp>
+      <p:sp>
+        <p:nvSpPr>
+          <p:cNvPr id="16" name="文字方塊 15">
+            <a:extLst>
+              <a:ext uri="{FF2B5EF4-FFF2-40B4-BE49-F238E27FC236}">
+                <a16:creationId xmlns:a16="http://schemas.microsoft.com/office/drawing/2014/main" id="{6F6C7BA5-8A44-4C85-86D7-7465B72595B4}"/>
+              </a:ext>
+            </a:extLst>
+          </p:cNvPr>
+          <p:cNvSpPr txBox="1"/>
+          <p:nvPr/>
+        </p:nvSpPr>
+        <p:spPr>
+          <a:xfrm>
+            <a:off x="1361661" y="2446323"/>
+            <a:ext cx="3553239" cy="276999"/>
+          </a:xfrm>
+          <a:prstGeom prst="rect">
+            <a:avLst/>
+          </a:prstGeom>
+          <a:noFill/>
+        </p:spPr>
+        <p:txBody>
+          <a:bodyPr wrap="square" rtlCol="0">
+            <a:spAutoFit/>
+          </a:bodyPr>
+          <a:lstStyle/>
+          <a:p>
+            <a:r>
+              <a:rPr lang="zh-TW" altLang="en-US" sz="1200" dirty="0">
+                <a:solidFill>
+                  <a:schemeClr val="bg1"/>
+                </a:solidFill>
+                <a:latin typeface="標楷體" panose="03000509000000000000" pitchFamily="65" charset="-120"/>
+                <a:ea typeface="標楷體" panose="03000509000000000000" pitchFamily="65" charset="-120"/>
+              </a:rPr>
+              <a:t>服飾店：追蹤不同款式、尺寸的庫存變動。</a:t>
+            </a:r>
+            <a:endParaRPr lang="en-US" altLang="zh-TW" sz="1200" dirty="0">
+              <a:solidFill>
+                <a:schemeClr val="bg1"/>
+              </a:solidFill>
+              <a:latin typeface="標楷體" panose="03000509000000000000" pitchFamily="65" charset="-120"/>
+              <a:ea typeface="標楷體" panose="03000509000000000000" pitchFamily="65" charset="-120"/>
+            </a:endParaRPr>
+          </a:p>
+        </p:txBody>
+      </p:sp>
+      <p:sp>
+        <p:nvSpPr>
+          <p:cNvPr id="17" name="文字方塊 16">
+            <a:extLst>
+              <a:ext uri="{FF2B5EF4-FFF2-40B4-BE49-F238E27FC236}">
+                <a16:creationId xmlns:a16="http://schemas.microsoft.com/office/drawing/2014/main" id="{6D75F030-B113-48EA-8A60-1242676350A6}"/>
+              </a:ext>
+            </a:extLst>
+          </p:cNvPr>
+          <p:cNvSpPr txBox="1"/>
+          <p:nvPr/>
+        </p:nvSpPr>
+        <p:spPr>
+          <a:xfrm>
+            <a:off x="1361661" y="3221194"/>
+            <a:ext cx="3517418" cy="677108"/>
+          </a:xfrm>
+          <a:prstGeom prst="rect">
+            <a:avLst/>
+          </a:prstGeom>
+          <a:noFill/>
+        </p:spPr>
+        <p:txBody>
+          <a:bodyPr wrap="square" rtlCol="0">
+            <a:spAutoFit/>
+          </a:bodyPr>
+          <a:lstStyle/>
+          <a:p>
+            <a:pPr algn="l" fontAlgn="base"/>
+            <a:r>
+              <a:rPr lang="zh-TW" altLang="en-US" sz="1200" b="0" i="0" dirty="0">
+                <a:solidFill>
+                  <a:schemeClr val="bg1"/>
+                </a:solidFill>
+                <a:effectLst/>
+                <a:latin typeface="標楷體" panose="03000509000000000000" pitchFamily="65" charset="-120"/>
+                <a:ea typeface="標楷體" panose="03000509000000000000" pitchFamily="65" charset="-120"/>
+              </a:rPr>
+              <a:t>生產線：管理原料與成品庫存、期限，</a:t>
+            </a:r>
+            <a:endParaRPr lang="en-US" altLang="zh-TW" sz="1200" b="0" i="0" dirty="0">
+              <a:solidFill>
+                <a:schemeClr val="bg1"/>
+              </a:solidFill>
+              <a:effectLst/>
+              <a:latin typeface="標楷體" panose="03000509000000000000" pitchFamily="65" charset="-120"/>
+              <a:ea typeface="標楷體" panose="03000509000000000000" pitchFamily="65" charset="-120"/>
+            </a:endParaRPr>
+          </a:p>
+          <a:p>
+            <a:pPr algn="l" fontAlgn="base"/>
+            <a:r>
+              <a:rPr lang="zh-TW" altLang="en-US" sz="1200" b="0" i="0" dirty="0">
+                <a:solidFill>
+                  <a:schemeClr val="bg1"/>
+                </a:solidFill>
+                <a:effectLst/>
+                <a:latin typeface="標楷體" panose="03000509000000000000" pitchFamily="65" charset="-120"/>
+                <a:ea typeface="標楷體" panose="03000509000000000000" pitchFamily="65" charset="-120"/>
+              </a:rPr>
+              <a:t>        確保生產不中斷。</a:t>
+            </a:r>
+            <a:endParaRPr lang="en-US" altLang="zh-TW" sz="1200" b="0" i="0" dirty="0">
+              <a:solidFill>
+                <a:schemeClr val="bg1"/>
+              </a:solidFill>
+              <a:effectLst/>
+              <a:latin typeface="標楷體" panose="03000509000000000000" pitchFamily="65" charset="-120"/>
+              <a:ea typeface="標楷體" panose="03000509000000000000" pitchFamily="65" charset="-120"/>
+            </a:endParaRPr>
+          </a:p>
+          <a:p>
+            <a:endParaRPr lang="zh-TW" altLang="en-US" dirty="0"/>
+          </a:p>
+        </p:txBody>
+      </p:sp>
+      <p:sp>
+        <p:nvSpPr>
+          <p:cNvPr id="19" name="文字方塊 18">
+            <a:extLst>
+              <a:ext uri="{FF2B5EF4-FFF2-40B4-BE49-F238E27FC236}">
+                <a16:creationId xmlns:a16="http://schemas.microsoft.com/office/drawing/2014/main" id="{2602AA28-7D96-4DB1-B4CF-96FE828E6120}"/>
+              </a:ext>
+            </a:extLst>
+          </p:cNvPr>
+          <p:cNvSpPr txBox="1"/>
+          <p:nvPr/>
+        </p:nvSpPr>
+        <p:spPr>
+          <a:xfrm>
+            <a:off x="5085460" y="1590532"/>
+            <a:ext cx="3786871" cy="276999"/>
+          </a:xfrm>
+          <a:prstGeom prst="rect">
+            <a:avLst/>
+          </a:prstGeom>
+          <a:noFill/>
+        </p:spPr>
+        <p:txBody>
+          <a:bodyPr wrap="square">
+            <a:spAutoFit/>
+          </a:bodyPr>
+          <a:lstStyle/>
+          <a:p>
+            <a:pPr fontAlgn="base"/>
+            <a:r>
+              <a:rPr lang="zh-TW" altLang="en-US" sz="1200" dirty="0">
+                <a:solidFill>
+                  <a:schemeClr val="bg1"/>
+                </a:solidFill>
+                <a:latin typeface="標楷體" panose="03000509000000000000" pitchFamily="65" charset="-120"/>
+                <a:ea typeface="標楷體" panose="03000509000000000000" pitchFamily="65" charset="-120"/>
+              </a:rPr>
+              <a:t>連鎖餐飲店：監控食材消耗，避免浪費或短缺。</a:t>
+            </a:r>
+            <a:endParaRPr lang="en-US" altLang="zh-TW" sz="1200" dirty="0">
+              <a:solidFill>
+                <a:schemeClr val="bg1"/>
+              </a:solidFill>
+              <a:latin typeface="標楷體" panose="03000509000000000000" pitchFamily="65" charset="-120"/>
+              <a:ea typeface="標楷體" panose="03000509000000000000" pitchFamily="65" charset="-120"/>
+            </a:endParaRPr>
+          </a:p>
+        </p:txBody>
+      </p:sp>
+      <p:sp>
+        <p:nvSpPr>
+          <p:cNvPr id="21" name="文字方塊 20">
+            <a:extLst>
+              <a:ext uri="{FF2B5EF4-FFF2-40B4-BE49-F238E27FC236}">
+                <a16:creationId xmlns:a16="http://schemas.microsoft.com/office/drawing/2014/main" id="{D83A48CD-FD54-4D33-A7D8-FAF56CBA605E}"/>
+              </a:ext>
+            </a:extLst>
+          </p:cNvPr>
+          <p:cNvSpPr txBox="1"/>
+          <p:nvPr/>
+        </p:nvSpPr>
+        <p:spPr>
+          <a:xfrm>
+            <a:off x="5085460" y="2384485"/>
+            <a:ext cx="3931651" cy="276999"/>
+          </a:xfrm>
+          <a:prstGeom prst="rect">
+            <a:avLst/>
+          </a:prstGeom>
+          <a:noFill/>
+        </p:spPr>
+        <p:txBody>
+          <a:bodyPr wrap="square">
+            <a:spAutoFit/>
+          </a:bodyPr>
+          <a:lstStyle/>
+          <a:p>
+            <a:pPr fontAlgn="base"/>
+            <a:r>
+              <a:rPr lang="zh-TW" altLang="en-US" sz="1200" dirty="0">
+                <a:solidFill>
+                  <a:schemeClr val="bg1"/>
+                </a:solidFill>
+                <a:latin typeface="標楷體" panose="03000509000000000000" pitchFamily="65" charset="-120"/>
+                <a:ea typeface="標楷體" panose="03000509000000000000" pitchFamily="65" charset="-120"/>
+              </a:rPr>
+              <a:t>醫院 </a:t>
+            </a:r>
+            <a:r>
+              <a:rPr lang="en-US" altLang="zh-TW" sz="1200" dirty="0">
+                <a:solidFill>
+                  <a:schemeClr val="bg1"/>
+                </a:solidFill>
+                <a:latin typeface="標楷體" panose="03000509000000000000" pitchFamily="65" charset="-120"/>
+                <a:ea typeface="標楷體" panose="03000509000000000000" pitchFamily="65" charset="-120"/>
+              </a:rPr>
+              <a:t>/ </a:t>
+            </a:r>
+            <a:r>
+              <a:rPr lang="zh-TW" altLang="en-US" sz="1200" dirty="0">
+                <a:solidFill>
+                  <a:schemeClr val="bg1"/>
+                </a:solidFill>
+                <a:latin typeface="標楷體" panose="03000509000000000000" pitchFamily="65" charset="-120"/>
+                <a:ea typeface="標楷體" panose="03000509000000000000" pitchFamily="65" charset="-120"/>
+              </a:rPr>
+              <a:t>診所：追蹤藥品、醫療器材庫存，確保醫療需求。</a:t>
+            </a:r>
+            <a:endParaRPr lang="en-US" altLang="zh-TW" sz="1200" dirty="0">
+              <a:solidFill>
+                <a:schemeClr val="bg1"/>
+              </a:solidFill>
+              <a:latin typeface="標楷體" panose="03000509000000000000" pitchFamily="65" charset="-120"/>
+              <a:ea typeface="標楷體" panose="03000509000000000000" pitchFamily="65" charset="-120"/>
+            </a:endParaRPr>
+          </a:p>
+        </p:txBody>
+      </p:sp>
+      <p:sp>
+        <p:nvSpPr>
+          <p:cNvPr id="23" name="文字方塊 22">
+            <a:extLst>
+              <a:ext uri="{FF2B5EF4-FFF2-40B4-BE49-F238E27FC236}">
+                <a16:creationId xmlns:a16="http://schemas.microsoft.com/office/drawing/2014/main" id="{FFD8323C-21BE-4555-A58E-9941868BFB70}"/>
+              </a:ext>
+            </a:extLst>
+          </p:cNvPr>
+          <p:cNvSpPr txBox="1"/>
+          <p:nvPr/>
+        </p:nvSpPr>
+        <p:spPr>
+          <a:xfrm>
+            <a:off x="5085460" y="3198573"/>
+            <a:ext cx="3626851" cy="276999"/>
+          </a:xfrm>
+          <a:prstGeom prst="rect">
+            <a:avLst/>
+          </a:prstGeom>
+          <a:noFill/>
+        </p:spPr>
+        <p:txBody>
+          <a:bodyPr wrap="square">
+            <a:spAutoFit/>
+          </a:bodyPr>
+          <a:lstStyle/>
+          <a:p>
+            <a:pPr algn="l" fontAlgn="base"/>
+            <a:r>
+              <a:rPr lang="zh-TW" altLang="en-US" sz="1200" dirty="0">
+                <a:solidFill>
+                  <a:schemeClr val="bg1"/>
+                </a:solidFill>
+                <a:latin typeface="標楷體" panose="03000509000000000000" pitchFamily="65" charset="-120"/>
+                <a:ea typeface="標楷體" panose="03000509000000000000" pitchFamily="65" charset="-120"/>
+              </a:rPr>
+              <a:t>電商平台：管理倉儲庫存，確保商品能夠即時發貨。</a:t>
+            </a:r>
+          </a:p>
+        </p:txBody>
+      </p:sp>
+    </p:spTree>
+    <p:extLst>
+      <p:ext uri="{BB962C8B-B14F-4D97-AF65-F5344CB8AC3E}">
+        <p14:creationId xmlns:p14="http://schemas.microsoft.com/office/powerpoint/2010/main" val="4167194889"/>
+      </p:ext>
+    </p:extLst>
+  </p:cSld>
+  <p:clrMapOvr>
+    <a:masterClrMapping/>
+  </p:clrMapOvr>
+</p:sld>
+</file>
+
+<file path=ppt/slides/slide11.xml><?xml version="1.0" encoding="utf-8"?>
+<p:sld xmlns:a="http://schemas.openxmlformats.org/drawingml/2006/main" xmlns:r="http://schemas.openxmlformats.org/officeDocument/2006/relationships" xmlns:p="http://schemas.openxmlformats.org/presentationml/2006/main">
+  <p:cSld>
+    <p:spTree>
+      <p:nvGrpSpPr>
+        <p:cNvPr id="1" name="Shape 824">
+          <a:extLst>
+            <a:ext uri="{FF2B5EF4-FFF2-40B4-BE49-F238E27FC236}">
+              <a16:creationId xmlns:a16="http://schemas.microsoft.com/office/drawing/2014/main" id="{A0914E53-C64B-5C3C-85E8-12E4A507816D}"/>
+            </a:ext>
+          </a:extLst>
+        </p:cNvPr>
+        <p:cNvGrpSpPr/>
+        <p:nvPr/>
+      </p:nvGrpSpPr>
+      <p:grpSpPr>
+        <a:xfrm>
+          <a:off x="0" y="0"/>
+          <a:ext cx="0" cy="0"/>
+          <a:chOff x="0" y="0"/>
+          <a:chExt cx="0" cy="0"/>
+        </a:xfrm>
+      </p:grpSpPr>
+      <p:sp>
+        <p:nvSpPr>
+          <p:cNvPr id="826" name="Google Shape;826;p100">
+            <a:extLst>
+              <a:ext uri="{FF2B5EF4-FFF2-40B4-BE49-F238E27FC236}">
+                <a16:creationId xmlns:a16="http://schemas.microsoft.com/office/drawing/2014/main" id="{9925DCFC-6475-7A40-101F-A81864CF4C30}"/>
+              </a:ext>
+            </a:extLst>
+          </p:cNvPr>
+          <p:cNvSpPr txBox="1">
+            <a:spLocks noGrp="1"/>
+          </p:cNvSpPr>
+          <p:nvPr>
+            <p:ph type="ctrTitle"/>
+          </p:nvPr>
+        </p:nvSpPr>
+        <p:spPr>
+          <a:xfrm>
+            <a:off x="4297175" y="2355550"/>
+            <a:ext cx="4299000" cy="650700"/>
+          </a:xfrm>
+          <a:prstGeom prst="rect">
+            <a:avLst/>
+          </a:prstGeom>
+        </p:spPr>
+        <p:txBody>
+          <a:bodyPr spcFirstLastPara="1" wrap="square" lIns="91425" tIns="91425" rIns="91425" bIns="91425" anchor="t" anchorCtr="0">
+            <a:noAutofit/>
+          </a:bodyPr>
+          <a:lstStyle/>
+          <a:p>
+            <a:pPr lvl="0">
+              <a:buClr>
+                <a:schemeClr val="dk1"/>
+              </a:buClr>
+              <a:buSzPts val="1100"/>
+            </a:pPr>
+            <a:r>
+              <a:rPr lang="zh-TW" altLang="en-US" b="1" dirty="0">
+                <a:latin typeface="標楷體" panose="03000509000000000000" pitchFamily="65" charset="-120"/>
+                <a:ea typeface="標楷體" panose="03000509000000000000" pitchFamily="65" charset="-120"/>
+              </a:rPr>
+              <a:t>系統特色</a:t>
+            </a:r>
+          </a:p>
+        </p:txBody>
+      </p:sp>
+      <p:sp>
+        <p:nvSpPr>
+          <p:cNvPr id="827" name="Google Shape;827;p100">
+            <a:extLst>
+              <a:ext uri="{FF2B5EF4-FFF2-40B4-BE49-F238E27FC236}">
+                <a16:creationId xmlns:a16="http://schemas.microsoft.com/office/drawing/2014/main" id="{DE779ADD-BFAE-2404-E289-8114CE3BCDFC}"/>
+              </a:ext>
+            </a:extLst>
+          </p:cNvPr>
+          <p:cNvSpPr txBox="1">
+            <a:spLocks noGrp="1"/>
+          </p:cNvSpPr>
+          <p:nvPr>
+            <p:ph type="title" idx="2"/>
+          </p:nvPr>
+        </p:nvSpPr>
+        <p:spPr>
+          <a:xfrm>
+            <a:off x="4297175" y="1317160"/>
+            <a:ext cx="4299000" cy="1098000"/>
+          </a:xfrm>
+          <a:prstGeom prst="rect">
+            <a:avLst/>
+          </a:prstGeom>
+        </p:spPr>
+        <p:txBody>
+          <a:bodyPr spcFirstLastPara="1" wrap="square" lIns="91425" tIns="91425" rIns="91425" bIns="91425" anchor="ctr" anchorCtr="0">
+            <a:noAutofit/>
+          </a:bodyPr>
+          <a:lstStyle/>
+          <a:p>
+            <a:pPr marL="0" lvl="0" indent="0" algn="ctr" rtl="0">
+              <a:spcBef>
+                <a:spcPts val="0"/>
+              </a:spcBef>
+              <a:spcAft>
+                <a:spcPts val="0"/>
+              </a:spcAft>
+              <a:buClr>
+                <a:schemeClr val="dk1"/>
+              </a:buClr>
+              <a:buSzPts val="1100"/>
+              <a:buFont typeface="Arial"/>
+              <a:buNone/>
+            </a:pPr>
+            <a:r>
+              <a:rPr lang="en" dirty="0"/>
+              <a:t>0</a:t>
+            </a:r>
+            <a:r>
+              <a:rPr lang="en-US" altLang="zh-TW" dirty="0"/>
+              <a:t>4</a:t>
+            </a:r>
+            <a:endParaRPr dirty="0"/>
+          </a:p>
+        </p:txBody>
+      </p:sp>
+    </p:spTree>
+    <p:extLst>
+      <p:ext uri="{BB962C8B-B14F-4D97-AF65-F5344CB8AC3E}">
+        <p14:creationId xmlns:p14="http://schemas.microsoft.com/office/powerpoint/2010/main" val="1959750961"/>
+      </p:ext>
+    </p:extLst>
+  </p:cSld>
+  <p:clrMapOvr>
+    <a:masterClrMapping/>
+  </p:clrMapOvr>
+  <p:timing>
+    <p:tnLst>
+      <p:par>
+        <p:cTn id="1" dur="indefinite" restart="never" nodeType="tmRoot">
+          <p:childTnLst>
+            <p:seq concurrent="1" nextAc="seek">
+              <p:cTn id="2" dur="indefinite" nodeType="mainSeq">
+                <p:childTnLst>
+                  <p:par>
+                    <p:cTn id="3" fill="hold">
+                      <p:stCondLst>
+                        <p:cond delay="indefinite"/>
+                      </p:stCondLst>
+                      <p:childTnLst>
+                        <p:par>
+                          <p:cTn id="4" fill="hold">
+                            <p:stCondLst>
+                              <p:cond delay="0"/>
+                            </p:stCondLst>
+                            <p:childTnLst>
+                              <p:par>
+                                <p:cTn id="5" presetID="2" presetClass="entr" presetSubtype="1" fill="hold" nodeType="clickEffect">
+                                  <p:stCondLst>
+                                    <p:cond delay="0"/>
+                                  </p:stCondLst>
+                                  <p:childTnLst>
+                                    <p:set>
+                                      <p:cBhvr>
+                                        <p:cTn id="6" dur="1" fill="hold">
+                                          <p:stCondLst>
+                                            <p:cond delay="0"/>
+                                          </p:stCondLst>
+                                        </p:cTn>
+                                        <p:tgtEl>
+                                          <p:spTgt spid="827"/>
+                                        </p:tgtEl>
+                                        <p:attrNameLst>
+                                          <p:attrName>style.visibility</p:attrName>
+                                        </p:attrNameLst>
+                                      </p:cBhvr>
+                                      <p:to>
+                                        <p:strVal val="visible"/>
+                                      </p:to>
+                                    </p:set>
+                                    <p:anim calcmode="lin" valueType="num">
+                                      <p:cBhvr additive="base">
+                                        <p:cTn id="7" dur="1000"/>
+                                        <p:tgtEl>
+                                          <p:spTgt spid="827"/>
+                                        </p:tgtEl>
+                                        <p:attrNameLst>
+                                          <p:attrName>ppt_y</p:attrName>
+                                        </p:attrNameLst>
+                                      </p:cBhvr>
+                                      <p:tavLst>
+                                        <p:tav tm="0">
+                                          <p:val>
+                                            <p:strVal val="#ppt_y-1"/>
+                                          </p:val>
+                                        </p:tav>
+                                        <p:tav tm="100000">
+                                          <p:val>
+                                            <p:strVal val="#ppt_y"/>
+                                          </p:val>
+                                        </p:tav>
+                                      </p:tavLst>
+                                    </p:anim>
+                                  </p:childTnLst>
+                                </p:cTn>
+                              </p:par>
+                              <p:par>
+                                <p:cTn id="8" presetID="10" presetClass="entr" presetSubtype="0" fill="hold" nodeType="withEffect">
+                                  <p:stCondLst>
+                                    <p:cond delay="0"/>
+                                  </p:stCondLst>
+                                  <p:childTnLst>
+                                    <p:set>
+                                      <p:cBhvr>
+                                        <p:cTn id="9" dur="1" fill="hold">
+                                          <p:stCondLst>
+                                            <p:cond delay="0"/>
+                                          </p:stCondLst>
+                                        </p:cTn>
+                                        <p:tgtEl>
+                                          <p:spTgt spid="826"/>
+                                        </p:tgtEl>
+                                        <p:attrNameLst>
+                                          <p:attrName>style.visibility</p:attrName>
+                                        </p:attrNameLst>
+                                      </p:cBhvr>
+                                      <p:to>
+                                        <p:strVal val="visible"/>
+                                      </p:to>
+                                    </p:set>
+                                    <p:animEffect transition="in" filter="fade">
+                                      <p:cBhvr>
+                                        <p:cTn id="10" dur="1000"/>
+                                        <p:tgtEl>
+                                          <p:spTgt spid="826"/>
+                                        </p:tgtEl>
+                                      </p:cBhvr>
+                                    </p:animEffect>
+                                  </p:childTnLst>
+                                </p:cTn>
+                              </p:par>
+                            </p:childTnLst>
+                          </p:cTn>
+                        </p:par>
+                      </p:childTnLst>
+                    </p:cTn>
+                  </p:par>
+                </p:childTnLst>
+              </p:cTn>
+              <p:prevCondLst>
+                <p:cond evt="onPrev" delay="0">
+                  <p:tgtEl>
+                    <p:sldTgt/>
+                  </p:tgtEl>
+                </p:cond>
+              </p:prevCondLst>
+              <p:nextCondLst>
+                <p:cond evt="onNext" delay="0">
+                  <p:tgtEl>
+                    <p:sldTgt/>
+                  </p:tgtEl>
+                </p:cond>
+              </p:nextCondLst>
+            </p:seq>
+          </p:childTnLst>
+        </p:cTn>
+      </p:par>
+    </p:tnLst>
+  </p:timing>
+</p:sld>
+</file>
+
+<file path=ppt/slides/slide12.xml><?xml version="1.0" encoding="utf-8"?>
+<p:sld xmlns:a="http://schemas.openxmlformats.org/drawingml/2006/main" xmlns:r="http://schemas.openxmlformats.org/officeDocument/2006/relationships" xmlns:p="http://schemas.openxmlformats.org/presentationml/2006/main">
+  <p:cSld>
+    <p:spTree>
+      <p:nvGrpSpPr>
         <p:cNvPr id="1" name="Shape 1011"/>
         <p:cNvGrpSpPr/>
         <p:nvPr/>
@@ -14252,6 +15300,36 @@
           <a:chExt cx="0" cy="0"/>
         </a:xfrm>
       </p:grpSpPr>
+      <p:pic>
+        <p:nvPicPr>
+          <p:cNvPr id="3" name="圖片 2" descr="一張含有 文字, 字型, 收據, 白色 的圖片&#10;&#10;AI 產生的內容可能不正確。">
+            <a:extLst>
+              <a:ext uri="{FF2B5EF4-FFF2-40B4-BE49-F238E27FC236}">
+                <a16:creationId xmlns:a16="http://schemas.microsoft.com/office/drawing/2014/main" id="{2A662BE3-2BF5-5580-F8C9-3944C6FCB473}"/>
+              </a:ext>
+            </a:extLst>
+          </p:cNvPr>
+          <p:cNvPicPr>
+            <a:picLocks noChangeAspect="1"/>
+          </p:cNvPicPr>
+          <p:nvPr/>
+        </p:nvPicPr>
+        <p:blipFill>
+          <a:blip r:embed="rId2"/>
+          <a:stretch>
+            <a:fillRect/>
+          </a:stretch>
+        </p:blipFill>
+        <p:spPr>
+          <a:xfrm>
+            <a:off x="0" y="1294086"/>
+            <a:ext cx="9144000" cy="2555327"/>
+          </a:xfrm>
+          <a:prstGeom prst="rect">
+            <a:avLst/>
+          </a:prstGeom>
+        </p:spPr>
+      </p:pic>
     </p:spTree>
     <p:extLst>
       <p:ext uri="{BB962C8B-B14F-4D97-AF65-F5344CB8AC3E}">
@@ -14266,6 +15344,138 @@
 </file>
 
 <file path=ppt/slides/slide7.xml><?xml version="1.0" encoding="utf-8"?>
+<p:sld xmlns:a="http://schemas.openxmlformats.org/drawingml/2006/main" xmlns:r="http://schemas.openxmlformats.org/officeDocument/2006/relationships" xmlns:p="http://schemas.openxmlformats.org/presentationml/2006/main">
+  <p:cSld>
+    <p:spTree>
+      <p:nvGrpSpPr>
+        <p:cNvPr id="1" name="">
+          <a:extLst>
+            <a:ext uri="{FF2B5EF4-FFF2-40B4-BE49-F238E27FC236}">
+              <a16:creationId xmlns:a16="http://schemas.microsoft.com/office/drawing/2014/main" id="{24EAEDA1-6E68-944F-363D-8FEAA80A4264}"/>
+            </a:ext>
+          </a:extLst>
+        </p:cNvPr>
+        <p:cNvGrpSpPr/>
+        <p:nvPr/>
+      </p:nvGrpSpPr>
+      <p:grpSpPr>
+        <a:xfrm>
+          <a:off x="0" y="0"/>
+          <a:ext cx="0" cy="0"/>
+          <a:chOff x="0" y="0"/>
+          <a:chExt cx="0" cy="0"/>
+        </a:xfrm>
+      </p:grpSpPr>
+      <p:pic>
+        <p:nvPicPr>
+          <p:cNvPr id="3" name="圖片 2" descr="一張含有 文字, 螢幕擷取畫面, 收據, 數字 的圖片&#10;&#10;AI 產生的內容可能不正確。">
+            <a:extLst>
+              <a:ext uri="{FF2B5EF4-FFF2-40B4-BE49-F238E27FC236}">
+                <a16:creationId xmlns:a16="http://schemas.microsoft.com/office/drawing/2014/main" id="{E8BD1283-9D3F-BF32-36CD-1CB7C6B4C075}"/>
+              </a:ext>
+            </a:extLst>
+          </p:cNvPr>
+          <p:cNvPicPr>
+            <a:picLocks noChangeAspect="1"/>
+          </p:cNvPicPr>
+          <p:nvPr/>
+        </p:nvPicPr>
+        <p:blipFill>
+          <a:blip r:embed="rId2"/>
+          <a:stretch>
+            <a:fillRect/>
+          </a:stretch>
+        </p:blipFill>
+        <p:spPr>
+          <a:xfrm>
+            <a:off x="232757" y="32983"/>
+            <a:ext cx="8678486" cy="5077534"/>
+          </a:xfrm>
+          <a:prstGeom prst="rect">
+            <a:avLst/>
+          </a:prstGeom>
+        </p:spPr>
+      </p:pic>
+    </p:spTree>
+    <p:extLst>
+      <p:ext uri="{BB962C8B-B14F-4D97-AF65-F5344CB8AC3E}">
+        <p14:creationId xmlns:p14="http://schemas.microsoft.com/office/powerpoint/2010/main" val="1555700492"/>
+      </p:ext>
+    </p:extLst>
+  </p:cSld>
+  <p:clrMapOvr>
+    <a:masterClrMapping/>
+  </p:clrMapOvr>
+</p:sld>
+</file>
+
+<file path=ppt/slides/slide8.xml><?xml version="1.0" encoding="utf-8"?>
+<p:sld xmlns:a="http://schemas.openxmlformats.org/drawingml/2006/main" xmlns:r="http://schemas.openxmlformats.org/officeDocument/2006/relationships" xmlns:p="http://schemas.openxmlformats.org/presentationml/2006/main">
+  <p:cSld>
+    <p:spTree>
+      <p:nvGrpSpPr>
+        <p:cNvPr id="1" name="">
+          <a:extLst>
+            <a:ext uri="{FF2B5EF4-FFF2-40B4-BE49-F238E27FC236}">
+              <a16:creationId xmlns:a16="http://schemas.microsoft.com/office/drawing/2014/main" id="{F27D8F30-1A33-D4DD-CD99-68BACFED5EEA}"/>
+            </a:ext>
+          </a:extLst>
+        </p:cNvPr>
+        <p:cNvGrpSpPr/>
+        <p:nvPr/>
+      </p:nvGrpSpPr>
+      <p:grpSpPr>
+        <a:xfrm>
+          <a:off x="0" y="0"/>
+          <a:ext cx="0" cy="0"/>
+          <a:chOff x="0" y="0"/>
+          <a:chExt cx="0" cy="0"/>
+        </a:xfrm>
+      </p:grpSpPr>
+      <p:pic>
+        <p:nvPicPr>
+          <p:cNvPr id="3" name="圖片 2" descr="一張含有 文字, 螢幕擷取畫面, 圖表, 設計 的圖片&#10;&#10;AI 產生的內容可能不正確。">
+            <a:extLst>
+              <a:ext uri="{FF2B5EF4-FFF2-40B4-BE49-F238E27FC236}">
+                <a16:creationId xmlns:a16="http://schemas.microsoft.com/office/drawing/2014/main" id="{033CE7D8-34DB-AA15-0A61-ABA582153D39}"/>
+              </a:ext>
+            </a:extLst>
+          </p:cNvPr>
+          <p:cNvPicPr>
+            <a:picLocks noChangeAspect="1"/>
+          </p:cNvPicPr>
+          <p:nvPr/>
+        </p:nvPicPr>
+        <p:blipFill>
+          <a:blip r:embed="rId2"/>
+          <a:stretch>
+            <a:fillRect/>
+          </a:stretch>
+        </p:blipFill>
+        <p:spPr>
+          <a:xfrm>
+            <a:off x="735386" y="0"/>
+            <a:ext cx="7673228" cy="5143500"/>
+          </a:xfrm>
+          <a:prstGeom prst="rect">
+            <a:avLst/>
+          </a:prstGeom>
+        </p:spPr>
+      </p:pic>
+    </p:spTree>
+    <p:extLst>
+      <p:ext uri="{BB962C8B-B14F-4D97-AF65-F5344CB8AC3E}">
+        <p14:creationId xmlns:p14="http://schemas.microsoft.com/office/powerpoint/2010/main" val="622476112"/>
+      </p:ext>
+    </p:extLst>
+  </p:cSld>
+  <p:clrMapOvr>
+    <a:masterClrMapping/>
+  </p:clrMapOvr>
+</p:sld>
+</file>
+
+<file path=ppt/slides/slide9.xml><?xml version="1.0" encoding="utf-8"?>
 <p:sld xmlns:a="http://schemas.openxmlformats.org/drawingml/2006/main" xmlns:r="http://schemas.openxmlformats.org/officeDocument/2006/relationships" xmlns:p="http://schemas.openxmlformats.org/presentationml/2006/main">
   <p:cSld>
     <p:spTree>
@@ -14396,309 +15606,6 @@
     <p:extLst>
       <p:ext uri="{BB962C8B-B14F-4D97-AF65-F5344CB8AC3E}">
         <p14:creationId xmlns:p14="http://schemas.microsoft.com/office/powerpoint/2010/main" val="3890186523"/>
-      </p:ext>
-    </p:extLst>
-  </p:cSld>
-  <p:clrMapOvr>
-    <a:masterClrMapping/>
-  </p:clrMapOvr>
-  <p:timing>
-    <p:tnLst>
-      <p:par>
-        <p:cTn id="1" dur="indefinite" restart="never" nodeType="tmRoot">
-          <p:childTnLst>
-            <p:seq concurrent="1" nextAc="seek">
-              <p:cTn id="2" dur="indefinite" nodeType="mainSeq">
-                <p:childTnLst>
-                  <p:par>
-                    <p:cTn id="3" fill="hold">
-                      <p:stCondLst>
-                        <p:cond delay="indefinite"/>
-                      </p:stCondLst>
-                      <p:childTnLst>
-                        <p:par>
-                          <p:cTn id="4" fill="hold">
-                            <p:stCondLst>
-                              <p:cond delay="0"/>
-                            </p:stCondLst>
-                            <p:childTnLst>
-                              <p:par>
-                                <p:cTn id="5" presetID="2" presetClass="entr" presetSubtype="1" fill="hold" nodeType="clickEffect">
-                                  <p:stCondLst>
-                                    <p:cond delay="0"/>
-                                  </p:stCondLst>
-                                  <p:childTnLst>
-                                    <p:set>
-                                      <p:cBhvr>
-                                        <p:cTn id="6" dur="1" fill="hold">
-                                          <p:stCondLst>
-                                            <p:cond delay="0"/>
-                                          </p:stCondLst>
-                                        </p:cTn>
-                                        <p:tgtEl>
-                                          <p:spTgt spid="827"/>
-                                        </p:tgtEl>
-                                        <p:attrNameLst>
-                                          <p:attrName>style.visibility</p:attrName>
-                                        </p:attrNameLst>
-                                      </p:cBhvr>
-                                      <p:to>
-                                        <p:strVal val="visible"/>
-                                      </p:to>
-                                    </p:set>
-                                    <p:anim calcmode="lin" valueType="num">
-                                      <p:cBhvr additive="base">
-                                        <p:cTn id="7" dur="1000"/>
-                                        <p:tgtEl>
-                                          <p:spTgt spid="827"/>
-                                        </p:tgtEl>
-                                        <p:attrNameLst>
-                                          <p:attrName>ppt_y</p:attrName>
-                                        </p:attrNameLst>
-                                      </p:cBhvr>
-                                      <p:tavLst>
-                                        <p:tav tm="0">
-                                          <p:val>
-                                            <p:strVal val="#ppt_y-1"/>
-                                          </p:val>
-                                        </p:tav>
-                                        <p:tav tm="100000">
-                                          <p:val>
-                                            <p:strVal val="#ppt_y"/>
-                                          </p:val>
-                                        </p:tav>
-                                      </p:tavLst>
-                                    </p:anim>
-                                  </p:childTnLst>
-                                </p:cTn>
-                              </p:par>
-                              <p:par>
-                                <p:cTn id="8" presetID="10" presetClass="entr" presetSubtype="0" fill="hold" nodeType="withEffect">
-                                  <p:stCondLst>
-                                    <p:cond delay="0"/>
-                                  </p:stCondLst>
-                                  <p:childTnLst>
-                                    <p:set>
-                                      <p:cBhvr>
-                                        <p:cTn id="9" dur="1" fill="hold">
-                                          <p:stCondLst>
-                                            <p:cond delay="0"/>
-                                          </p:stCondLst>
-                                        </p:cTn>
-                                        <p:tgtEl>
-                                          <p:spTgt spid="826"/>
-                                        </p:tgtEl>
-                                        <p:attrNameLst>
-                                          <p:attrName>style.visibility</p:attrName>
-                                        </p:attrNameLst>
-                                      </p:cBhvr>
-                                      <p:to>
-                                        <p:strVal val="visible"/>
-                                      </p:to>
-                                    </p:set>
-                                    <p:animEffect transition="in" filter="fade">
-                                      <p:cBhvr>
-                                        <p:cTn id="10" dur="1000"/>
-                                        <p:tgtEl>
-                                          <p:spTgt spid="826"/>
-                                        </p:tgtEl>
-                                      </p:cBhvr>
-                                    </p:animEffect>
-                                  </p:childTnLst>
-                                </p:cTn>
-                              </p:par>
-                            </p:childTnLst>
-                          </p:cTn>
-                        </p:par>
-                      </p:childTnLst>
-                    </p:cTn>
-                  </p:par>
-                </p:childTnLst>
-              </p:cTn>
-              <p:prevCondLst>
-                <p:cond evt="onPrev" delay="0">
-                  <p:tgtEl>
-                    <p:sldTgt/>
-                  </p:tgtEl>
-                </p:cond>
-              </p:prevCondLst>
-              <p:nextCondLst>
-                <p:cond evt="onNext" delay="0">
-                  <p:tgtEl>
-                    <p:sldTgt/>
-                  </p:tgtEl>
-                </p:cond>
-              </p:nextCondLst>
-            </p:seq>
-          </p:childTnLst>
-        </p:cTn>
-      </p:par>
-    </p:tnLst>
-  </p:timing>
-</p:sld>
-</file>
-
-<file path=ppt/slides/slide8.xml><?xml version="1.0" encoding="utf-8"?>
-<p:sld xmlns:a="http://schemas.openxmlformats.org/drawingml/2006/main" xmlns:r="http://schemas.openxmlformats.org/officeDocument/2006/relationships" xmlns:p="http://schemas.openxmlformats.org/presentationml/2006/main">
-  <p:cSld>
-    <p:spTree>
-      <p:nvGrpSpPr>
-        <p:cNvPr id="1" name=""/>
-        <p:cNvGrpSpPr/>
-        <p:nvPr/>
-      </p:nvGrpSpPr>
-      <p:grpSpPr>
-        <a:xfrm>
-          <a:off x="0" y="0"/>
-          <a:ext cx="0" cy="0"/>
-          <a:chOff x="0" y="0"/>
-          <a:chExt cx="0" cy="0"/>
-        </a:xfrm>
-      </p:grpSpPr>
-    </p:spTree>
-    <p:extLst>
-      <p:ext uri="{BB962C8B-B14F-4D97-AF65-F5344CB8AC3E}">
-        <p14:creationId xmlns:p14="http://schemas.microsoft.com/office/powerpoint/2010/main" val="4167194889"/>
-      </p:ext>
-    </p:extLst>
-  </p:cSld>
-  <p:clrMapOvr>
-    <a:masterClrMapping/>
-  </p:clrMapOvr>
-</p:sld>
-</file>
-
-<file path=ppt/slides/slide9.xml><?xml version="1.0" encoding="utf-8"?>
-<p:sld xmlns:a="http://schemas.openxmlformats.org/drawingml/2006/main" xmlns:r="http://schemas.openxmlformats.org/officeDocument/2006/relationships" xmlns:p="http://schemas.openxmlformats.org/presentationml/2006/main">
-  <p:cSld>
-    <p:spTree>
-      <p:nvGrpSpPr>
-        <p:cNvPr id="1" name="Shape 824">
-          <a:extLst>
-            <a:ext uri="{FF2B5EF4-FFF2-40B4-BE49-F238E27FC236}">
-              <a16:creationId xmlns:a16="http://schemas.microsoft.com/office/drawing/2014/main" id="{A0914E53-C64B-5C3C-85E8-12E4A507816D}"/>
-            </a:ext>
-          </a:extLst>
-        </p:cNvPr>
-        <p:cNvGrpSpPr/>
-        <p:nvPr/>
-      </p:nvGrpSpPr>
-      <p:grpSpPr>
-        <a:xfrm>
-          <a:off x="0" y="0"/>
-          <a:ext cx="0" cy="0"/>
-          <a:chOff x="0" y="0"/>
-          <a:chExt cx="0" cy="0"/>
-        </a:xfrm>
-      </p:grpSpPr>
-      <p:sp>
-        <p:nvSpPr>
-          <p:cNvPr id="826" name="Google Shape;826;p100">
-            <a:extLst>
-              <a:ext uri="{FF2B5EF4-FFF2-40B4-BE49-F238E27FC236}">
-                <a16:creationId xmlns:a16="http://schemas.microsoft.com/office/drawing/2014/main" id="{9925DCFC-6475-7A40-101F-A81864CF4C30}"/>
-              </a:ext>
-            </a:extLst>
-          </p:cNvPr>
-          <p:cNvSpPr txBox="1">
-            <a:spLocks noGrp="1"/>
-          </p:cNvSpPr>
-          <p:nvPr>
-            <p:ph type="ctrTitle"/>
-          </p:nvPr>
-        </p:nvSpPr>
-        <p:spPr>
-          <a:xfrm>
-            <a:off x="4297175" y="2355550"/>
-            <a:ext cx="4299000" cy="650700"/>
-          </a:xfrm>
-          <a:prstGeom prst="rect">
-            <a:avLst/>
-          </a:prstGeom>
-        </p:spPr>
-        <p:txBody>
-          <a:bodyPr spcFirstLastPara="1" wrap="square" lIns="91425" tIns="91425" rIns="91425" bIns="91425" anchor="t" anchorCtr="0">
-            <a:noAutofit/>
-          </a:bodyPr>
-          <a:lstStyle/>
-          <a:p>
-            <a:pPr lvl="0">
-              <a:buClr>
-                <a:schemeClr val="dk1"/>
-              </a:buClr>
-              <a:buSzPts val="1100"/>
-            </a:pPr>
-            <a:r>
-              <a:rPr lang="zh-TW" altLang="en-US" b="1" dirty="0">
-                <a:latin typeface="標楷體" panose="03000509000000000000" pitchFamily="65" charset="-120"/>
-                <a:ea typeface="標楷體" panose="03000509000000000000" pitchFamily="65" charset="-120"/>
-              </a:rPr>
-              <a:t>系統特色</a:t>
-            </a:r>
-          </a:p>
-        </p:txBody>
-      </p:sp>
-      <p:sp>
-        <p:nvSpPr>
-          <p:cNvPr id="827" name="Google Shape;827;p100">
-            <a:extLst>
-              <a:ext uri="{FF2B5EF4-FFF2-40B4-BE49-F238E27FC236}">
-                <a16:creationId xmlns:a16="http://schemas.microsoft.com/office/drawing/2014/main" id="{DE779ADD-BFAE-2404-E289-8114CE3BCDFC}"/>
-              </a:ext>
-            </a:extLst>
-          </p:cNvPr>
-          <p:cNvSpPr txBox="1">
-            <a:spLocks noGrp="1"/>
-          </p:cNvSpPr>
-          <p:nvPr>
-            <p:ph type="title" idx="2"/>
-          </p:nvPr>
-        </p:nvSpPr>
-        <p:spPr>
-          <a:xfrm>
-            <a:off x="4297175" y="1317160"/>
-            <a:ext cx="4299000" cy="1098000"/>
-          </a:xfrm>
-          <a:prstGeom prst="rect">
-            <a:avLst/>
-          </a:prstGeom>
-        </p:spPr>
-        <p:txBody>
-          <a:bodyPr spcFirstLastPara="1" wrap="square" lIns="91425" tIns="91425" rIns="91425" bIns="91425" anchor="ctr" anchorCtr="0">
-            <a:noAutofit/>
-          </a:bodyPr>
-          <a:lstStyle/>
-          <a:p>
-            <a:pPr marL="0" lvl="0" indent="0" algn="ctr" rtl="0">
-              <a:spcBef>
-                <a:spcPts val="0"/>
-              </a:spcBef>
-              <a:spcAft>
-                <a:spcPts val="0"/>
-              </a:spcAft>
-              <a:buClr>
-                <a:schemeClr val="dk1"/>
-              </a:buClr>
-              <a:buSzPts val="1100"/>
-              <a:buFont typeface="Arial"/>
-              <a:buNone/>
-            </a:pPr>
-            <a:r>
-              <a:rPr lang="en" dirty="0"/>
-              <a:t>0</a:t>
-            </a:r>
-            <a:r>
-              <a:rPr lang="en-US" altLang="zh-TW" dirty="0"/>
-              <a:t>4</a:t>
-            </a:r>
-            <a:endParaRPr dirty="0"/>
-          </a:p>
-        </p:txBody>
-      </p:sp>
-    </p:spTree>
-    <p:extLst>
-      <p:ext uri="{BB962C8B-B14F-4D97-AF65-F5344CB8AC3E}">
-        <p14:creationId xmlns:p14="http://schemas.microsoft.com/office/powerpoint/2010/main" val="1959750961"/>
       </p:ext>
     </p:extLst>
   </p:cSld>
